--- a/WebContent/docs/SWDesign.pptx
+++ b/WebContent/docs/SWDesign.pptx
@@ -3225,14 +3225,14 @@
           </a:ln>
           <a:extLst>
             <a:ext uri="{909E8E84-426E-40DD-AFC4-6F175D3DCCD1}">
-              <a14:hiddenFill xmlns:a14="http://schemas.microsoft.com/office/drawing/2010/main" xmlns="">
+              <a14:hiddenFill xmlns="" xmlns:a14="http://schemas.microsoft.com/office/drawing/2010/main">
                 <a:solidFill>
                   <a:srgbClr val="FFFFFF"/>
                 </a:solidFill>
               </a14:hiddenFill>
             </a:ext>
             <a:ext uri="{91240B29-F687-4F45-9708-019B960494DF}">
-              <a14:hiddenLine xmlns:a14="http://schemas.microsoft.com/office/drawing/2010/main" xmlns="" w="9525">
+              <a14:hiddenLine xmlns="" xmlns:a14="http://schemas.microsoft.com/office/drawing/2010/main" w="9525">
                 <a:solidFill>
                   <a:srgbClr val="000000"/>
                 </a:solidFill>
@@ -3389,14 +3389,14 @@
           </a:ln>
           <a:extLst>
             <a:ext uri="{909E8E84-426E-40DD-AFC4-6F175D3DCCD1}">
-              <a14:hiddenFill xmlns:a14="http://schemas.microsoft.com/office/drawing/2010/main" xmlns="">
+              <a14:hiddenFill xmlns="" xmlns:a14="http://schemas.microsoft.com/office/drawing/2010/main">
                 <a:solidFill>
                   <a:srgbClr val="FFFFFF"/>
                 </a:solidFill>
               </a14:hiddenFill>
             </a:ext>
             <a:ext uri="{91240B29-F687-4F45-9708-019B960494DF}">
-              <a14:hiddenLine xmlns:a14="http://schemas.microsoft.com/office/drawing/2010/main" xmlns="" w="9525">
+              <a14:hiddenLine xmlns="" xmlns:a14="http://schemas.microsoft.com/office/drawing/2010/main" w="9525">
                 <a:solidFill>
                   <a:srgbClr val="000000"/>
                 </a:solidFill>
@@ -3553,14 +3553,14 @@
           </a:ln>
           <a:extLst>
             <a:ext uri="{909E8E84-426E-40DD-AFC4-6F175D3DCCD1}">
-              <a14:hiddenFill xmlns:a14="http://schemas.microsoft.com/office/drawing/2010/main" xmlns="">
+              <a14:hiddenFill xmlns="" xmlns:a14="http://schemas.microsoft.com/office/drawing/2010/main">
                 <a:solidFill>
                   <a:srgbClr val="FFFFFF"/>
                 </a:solidFill>
               </a14:hiddenFill>
             </a:ext>
             <a:ext uri="{91240B29-F687-4F45-9708-019B960494DF}">
-              <a14:hiddenLine xmlns:a14="http://schemas.microsoft.com/office/drawing/2010/main" xmlns="" w="9525">
+              <a14:hiddenLine xmlns="" xmlns:a14="http://schemas.microsoft.com/office/drawing/2010/main" w="9525">
                 <a:solidFill>
                   <a:srgbClr val="000000"/>
                 </a:solidFill>
@@ -4288,7 +4288,25 @@
                 </a:solidFill>
                 <a:latin typeface="Arial Narrow" pitchFamily="34" charset="0"/>
               </a:rPr>
-              <a:t>                    	 Laura M. Zapata</a:t>
+              <a:t>                    	</a:t>
+            </a:r>
+            <a:r>
+              <a:rPr lang="pt-BR" altLang="ja-JP" sz="2400" dirty="0" smtClean="0">
+                <a:solidFill>
+                  <a:srgbClr val="000099"/>
+                </a:solidFill>
+                <a:latin typeface="Arial Narrow" pitchFamily="34" charset="0"/>
+              </a:rPr>
+              <a:t>Laura </a:t>
+            </a:r>
+            <a:r>
+              <a:rPr lang="pt-BR" altLang="ja-JP" sz="2400" dirty="0" smtClean="0">
+                <a:solidFill>
+                  <a:srgbClr val="000099"/>
+                </a:solidFill>
+                <a:latin typeface="Arial Narrow" pitchFamily="34" charset="0"/>
+              </a:rPr>
+              <a:t>M. Zapata</a:t>
             </a:r>
           </a:p>
           <a:p>
@@ -4309,7 +4327,7 @@
                 </a:solidFill>
                 <a:latin typeface="Arial Narrow" pitchFamily="34" charset="0"/>
               </a:rPr>
-              <a:t>Pairsa</a:t>
+              <a:t>Parisa</a:t>
             </a:r>
             <a:r>
               <a:rPr lang="pt-BR" altLang="ja-JP" sz="2400" dirty="0" smtClean="0">
@@ -4482,11 +4500,7 @@
           <a:p>
             <a:r>
               <a:rPr lang="pt-BR" dirty="0" smtClean="0"/>
-              <a:t>3</a:t>
-            </a:r>
-            <a:r>
-              <a:rPr lang="pt-BR" dirty="0" smtClean="0"/>
-              <a:t>.6 </a:t>
+              <a:t>3.6 </a:t>
             </a:r>
             <a:r>
               <a:rPr lang="pt-BR" dirty="0" err="1" smtClean="0"/>
@@ -4512,7 +4526,6 @@
               <a:rPr lang="pt-BR" dirty="0" smtClean="0"/>
               <a:t> 3)</a:t>
             </a:r>
-            <a:endParaRPr lang="pt-BR" dirty="0" smtClean="0"/>
           </a:p>
         </p:txBody>
       </p:sp>
@@ -4639,13 +4652,8 @@
           <a:p>
             <a:r>
               <a:rPr lang="en-US" dirty="0" smtClean="0"/>
-              <a:t>4</a:t>
-            </a:r>
-            <a:r>
-              <a:rPr lang="en-US" dirty="0" smtClean="0"/>
-              <a:t>.1 Sequence Diagram – Shopping Car</a:t>
-            </a:r>
-            <a:endParaRPr lang="en-US" dirty="0" smtClean="0"/>
+              <a:t>4.1 Sequence Diagram – Shopping Car</a:t>
+            </a:r>
           </a:p>
         </p:txBody>
       </p:sp>
@@ -4694,7 +4702,7 @@
       </p:sp>
       <p:pic>
         <p:nvPicPr>
-          <p:cNvPr id="16386" name="Picture 2" descr="C:\Users\Jorge Enrique\Desktop\Workspace\ShoppingCar.jpg"/>
+          <p:cNvPr id="1026" name="Picture 2" descr="C:\Users\Jorge Enrique\Desktop\Workspace\ShoppingCar.jpg"/>
           <p:cNvPicPr>
             <a:picLocks noChangeAspect="1" noChangeArrowheads="1"/>
           </p:cNvPicPr>
@@ -4702,15 +4710,15 @@
         </p:nvPicPr>
         <p:blipFill>
           <a:blip r:embed="rId2"/>
-          <a:srcRect t="5300" b="18378"/>
+          <a:srcRect t="5117" r="6268" b="27727"/>
           <a:stretch>
             <a:fillRect/>
           </a:stretch>
         </p:blipFill>
         <p:spPr bwMode="auto">
           <a:xfrm>
-            <a:off x="1907704" y="1340768"/>
-            <a:ext cx="5567329" cy="5184576"/>
+            <a:off x="1907705" y="1340768"/>
+            <a:ext cx="5400599" cy="5299653"/>
           </a:xfrm>
           <a:prstGeom prst="rect">
             <a:avLst/>
@@ -4772,11 +4780,7 @@
           <a:p>
             <a:r>
               <a:rPr lang="pt-BR" dirty="0" smtClean="0"/>
-              <a:t>4</a:t>
-            </a:r>
-            <a:r>
-              <a:rPr lang="pt-BR" dirty="0" smtClean="0"/>
-              <a:t>.2 </a:t>
+              <a:t>4.2 </a:t>
             </a:r>
             <a:r>
               <a:rPr lang="pt-BR" dirty="0" err="1" smtClean="0"/>
@@ -4847,7 +4851,7 @@
       </p:sp>
       <p:pic>
         <p:nvPicPr>
-          <p:cNvPr id="17410" name="Picture 2" descr="C:\Users\Jorge Enrique\Desktop\Workspace\Request.jpg"/>
+          <p:cNvPr id="2051" name="Picture 3" descr="C:\Users\Jorge Enrique\Desktop\Workspace\Request.jpg"/>
           <p:cNvPicPr>
             <a:picLocks noChangeAspect="1" noChangeArrowheads="1"/>
           </p:cNvPicPr>
@@ -4855,15 +4859,15 @@
         </p:nvPicPr>
         <p:blipFill>
           <a:blip r:embed="rId2"/>
-          <a:srcRect l="1835" t="8682" r="3654" b="16899"/>
+          <a:srcRect l="2126" t="9640" r="4522" b="21634"/>
           <a:stretch>
             <a:fillRect/>
           </a:stretch>
         </p:blipFill>
         <p:spPr bwMode="auto">
           <a:xfrm>
-            <a:off x="342730" y="1556792"/>
-            <a:ext cx="8405734" cy="4896544"/>
+            <a:off x="251519" y="1700808"/>
+            <a:ext cx="8725953" cy="4752528"/>
           </a:xfrm>
           <a:prstGeom prst="rect">
             <a:avLst/>
@@ -4925,11 +4929,7 @@
           <a:p>
             <a:r>
               <a:rPr lang="pt-BR" dirty="0" smtClean="0"/>
-              <a:t>4</a:t>
-            </a:r>
-            <a:r>
-              <a:rPr lang="pt-BR" dirty="0" smtClean="0"/>
-              <a:t>.3 </a:t>
+              <a:t>4.3 </a:t>
             </a:r>
             <a:r>
               <a:rPr lang="pt-BR" dirty="0" err="1" smtClean="0"/>
@@ -5000,7 +5000,7 @@
       </p:sp>
       <p:pic>
         <p:nvPicPr>
-          <p:cNvPr id="18434" name="Picture 2" descr="C:\Users\Jorge Enrique\Desktop\Workspace\Receipt.jpg"/>
+          <p:cNvPr id="3074" name="Picture 2" descr="C:\Users\Jorge Enrique\Desktop\Workspace\Receipt.jpg"/>
           <p:cNvPicPr>
             <a:picLocks noChangeAspect="1" noChangeArrowheads="1"/>
           </p:cNvPicPr>
@@ -5008,15 +5008,15 @@
         </p:nvPicPr>
         <p:blipFill>
           <a:blip r:embed="rId2"/>
-          <a:srcRect l="1752" t="8816" r="5392" b="15144"/>
+          <a:srcRect l="2628" t="7714" r="6268" b="20654"/>
           <a:stretch>
             <a:fillRect/>
           </a:stretch>
         </p:blipFill>
         <p:spPr bwMode="auto">
           <a:xfrm>
-            <a:off x="755576" y="1412776"/>
-            <a:ext cx="7632848" cy="4968552"/>
+            <a:off x="525150" y="1412776"/>
+            <a:ext cx="8295322" cy="5184576"/>
           </a:xfrm>
           <a:prstGeom prst="rect">
             <a:avLst/>
@@ -5287,15 +5287,7 @@
             </a:pPr>
             <a:r>
               <a:rPr lang="en-US" sz="2800" dirty="0" smtClean="0"/>
-              <a:t>We obtain better results (modularity) if we design the </a:t>
-            </a:r>
-            <a:r>
-              <a:rPr lang="en-US" sz="2800" dirty="0" smtClean="0"/>
-              <a:t>C</a:t>
-            </a:r>
-            <a:r>
-              <a:rPr lang="en-US" sz="2800" dirty="0" smtClean="0"/>
-              <a:t>lass Model first than Data Model </a:t>
+              <a:t>We obtain better results (modularity) if we design the Class Model first than Data Model </a:t>
             </a:r>
           </a:p>
           <a:p>
@@ -5305,15 +5297,7 @@
             </a:pPr>
             <a:r>
               <a:rPr lang="en-US" sz="2800" dirty="0" smtClean="0"/>
-              <a:t>Software Design is the base of any software artifact; </a:t>
-            </a:r>
-            <a:r>
-              <a:rPr lang="en-US" sz="2800" dirty="0" smtClean="0"/>
-              <a:t>I</a:t>
-            </a:r>
-            <a:r>
-              <a:rPr lang="en-US" sz="2800" dirty="0" smtClean="0"/>
-              <a:t>f we don’t have a good design probably we’ll have problem in the future related with scalability, maintainability, testability and even security. </a:t>
+              <a:t>Software Design is the base of any software artifact; If we don’t have a good design probably we’ll have problem in the future related with scalability, maintainability, testability and even security. </a:t>
             </a:r>
             <a:endParaRPr lang="en-US" sz="2000" dirty="0" smtClean="0"/>
           </a:p>
@@ -5819,7 +5803,6 @@
               <a:rPr lang="en-US" sz="2800" dirty="0" smtClean="0"/>
               <a:t>Pharmacy Inventory</a:t>
             </a:r>
-            <a:endParaRPr lang="en-US" sz="2800" dirty="0" smtClean="0"/>
           </a:p>
           <a:p>
             <a:pPr>
@@ -5830,7 +5813,6 @@
               <a:rPr lang="en-US" sz="2800" dirty="0" smtClean="0"/>
               <a:t>Use Case</a:t>
             </a:r>
-            <a:endParaRPr lang="en-US" sz="2800" dirty="0" smtClean="0"/>
           </a:p>
           <a:p>
             <a:pPr>
@@ -5841,7 +5823,6 @@
               <a:rPr lang="en-US" sz="2800" dirty="0" smtClean="0"/>
               <a:t>Class Diagrams</a:t>
             </a:r>
-            <a:endParaRPr lang="en-US" sz="2800" dirty="0" smtClean="0"/>
           </a:p>
           <a:p>
             <a:pPr>
@@ -5852,7 +5833,6 @@
               <a:rPr lang="en-US" sz="2800" dirty="0" smtClean="0"/>
               <a:t>Sequence Diagrams</a:t>
             </a:r>
-            <a:endParaRPr lang="en-US" sz="2800" dirty="0" smtClean="0"/>
           </a:p>
           <a:p>
             <a:pPr>
@@ -5863,7 +5843,6 @@
               <a:rPr lang="en-US" sz="2800" dirty="0" smtClean="0"/>
               <a:t>Product Demonstration</a:t>
             </a:r>
-            <a:endParaRPr lang="en-US" sz="2800" dirty="0" smtClean="0"/>
           </a:p>
           <a:p>
             <a:pPr>
@@ -5874,7 +5853,6 @@
               <a:rPr lang="en-US" sz="2800" dirty="0" smtClean="0"/>
               <a:t>Conclusions</a:t>
             </a:r>
-            <a:endParaRPr lang="en-US" sz="2800" dirty="0" smtClean="0"/>
           </a:p>
         </p:txBody>
       </p:sp>
@@ -6123,15 +6101,7 @@
             </a:pPr>
             <a:r>
               <a:rPr lang="en-US" dirty="0" smtClean="0"/>
-              <a:t>Better cash flow f</a:t>
-            </a:r>
-            <a:r>
-              <a:rPr lang="en-US" dirty="0" smtClean="0"/>
-              <a:t>inding the right  balance between Inventory Turns</a:t>
-            </a:r>
-            <a:r>
-              <a:rPr lang="en-US" dirty="0" smtClean="0"/>
-              <a:t> </a:t>
+              <a:t>Better cash flow finding the right  balance between Inventory Turns </a:t>
             </a:r>
           </a:p>
           <a:p>
@@ -6141,11 +6111,7 @@
             </a:pPr>
             <a:r>
               <a:rPr lang="en-US" dirty="0" smtClean="0"/>
-              <a:t>G</a:t>
-            </a:r>
-            <a:r>
-              <a:rPr lang="en-US" dirty="0" smtClean="0"/>
-              <a:t>ood customer service to establish proper inventory levels</a:t>
+              <a:t>Good customer service to establish proper inventory levels</a:t>
             </a:r>
           </a:p>
           <a:p>
@@ -6155,11 +6121,7 @@
             </a:pPr>
             <a:r>
               <a:rPr lang="en-US" dirty="0" smtClean="0"/>
-              <a:t>G</a:t>
-            </a:r>
-            <a:r>
-              <a:rPr lang="en-US" dirty="0" smtClean="0"/>
-              <a:t>ood relationship with suppliers </a:t>
+              <a:t>Good relationship with suppliers </a:t>
             </a:r>
           </a:p>
           <a:p>
@@ -6169,11 +6131,7 @@
             </a:pPr>
             <a:r>
               <a:rPr lang="en-US" dirty="0" smtClean="0"/>
-              <a:t>G</a:t>
-            </a:r>
-            <a:r>
-              <a:rPr lang="en-US" dirty="0" smtClean="0"/>
-              <a:t>ood return on investment</a:t>
+              <a:t>Good return on investment</a:t>
             </a:r>
           </a:p>
           <a:p>
@@ -6183,11 +6141,7 @@
             </a:pPr>
             <a:r>
               <a:rPr lang="en-US" dirty="0" smtClean="0"/>
-              <a:t>A</a:t>
-            </a:r>
-            <a:r>
-              <a:rPr lang="en-US" dirty="0" smtClean="0"/>
-              <a:t>ccurate prediction of future needs of inventory. </a:t>
+              <a:t>Accurate prediction of future needs of inventory. </a:t>
             </a:r>
           </a:p>
           <a:p>
@@ -6253,13 +6207,8 @@
           <a:p>
             <a:r>
               <a:rPr lang="pt-BR" dirty="0" smtClean="0"/>
-              <a:t>2</a:t>
-            </a:r>
-            <a:r>
-              <a:rPr lang="pt-BR" dirty="0" smtClean="0"/>
-              <a:t>. General Use Case</a:t>
-            </a:r>
-            <a:endParaRPr lang="pt-BR" dirty="0" smtClean="0"/>
+              <a:t>2. General Use Case</a:t>
+            </a:r>
           </a:p>
         </p:txBody>
       </p:sp>
@@ -6415,11 +6364,7 @@
           <a:p>
             <a:r>
               <a:rPr lang="pt-BR" dirty="0" smtClean="0"/>
-              <a:t>3</a:t>
-            </a:r>
-            <a:r>
-              <a:rPr lang="pt-BR" dirty="0" smtClean="0"/>
-              <a:t>.1 </a:t>
+              <a:t>3.1 </a:t>
             </a:r>
             <a:r>
               <a:rPr lang="pt-BR" dirty="0" err="1" smtClean="0"/>
@@ -6445,7 +6390,6 @@
               <a:rPr lang="pt-BR" dirty="0" smtClean="0"/>
               <a:t> 20)</a:t>
             </a:r>
-            <a:endParaRPr lang="pt-BR" dirty="0" smtClean="0"/>
           </a:p>
         </p:txBody>
       </p:sp>
@@ -7703,11 +7647,7 @@
           <a:p>
             <a:r>
               <a:rPr lang="pt-BR" dirty="0" smtClean="0"/>
-              <a:t>3</a:t>
-            </a:r>
-            <a:r>
-              <a:rPr lang="pt-BR" dirty="0" smtClean="0"/>
-              <a:t>.2 </a:t>
+              <a:t>3.2 </a:t>
             </a:r>
             <a:r>
               <a:rPr lang="pt-BR" dirty="0" err="1" smtClean="0"/>
@@ -7733,7 +7673,6 @@
               <a:rPr lang="pt-BR" dirty="0" smtClean="0"/>
               <a:t> 16)</a:t>
             </a:r>
-            <a:endParaRPr lang="pt-BR" dirty="0" smtClean="0"/>
           </a:p>
         </p:txBody>
       </p:sp>
@@ -7860,11 +7799,7 @@
           <a:p>
             <a:r>
               <a:rPr lang="pt-BR" dirty="0" smtClean="0"/>
-              <a:t>3</a:t>
-            </a:r>
-            <a:r>
-              <a:rPr lang="pt-BR" dirty="0" smtClean="0"/>
-              <a:t>.3 </a:t>
+              <a:t>3.3 </a:t>
             </a:r>
             <a:r>
               <a:rPr lang="pt-BR" dirty="0" err="1" smtClean="0"/>
@@ -7890,7 +7825,6 @@
               <a:rPr lang="pt-BR" dirty="0" smtClean="0"/>
               <a:t> 20)</a:t>
             </a:r>
-            <a:endParaRPr lang="pt-BR" dirty="0" smtClean="0"/>
           </a:p>
         </p:txBody>
       </p:sp>
@@ -8017,11 +7951,7 @@
           <a:p>
             <a:r>
               <a:rPr lang="pt-BR" dirty="0" smtClean="0"/>
-              <a:t>3</a:t>
-            </a:r>
-            <a:r>
-              <a:rPr lang="pt-BR" dirty="0" smtClean="0"/>
-              <a:t>.4 </a:t>
+              <a:t>3.4 </a:t>
             </a:r>
             <a:r>
               <a:rPr lang="pt-BR" dirty="0" err="1" smtClean="0"/>
@@ -8047,7 +7977,6 @@
               <a:rPr lang="pt-BR" dirty="0" smtClean="0"/>
               <a:t> 23)</a:t>
             </a:r>
-            <a:endParaRPr lang="pt-BR" dirty="0" smtClean="0"/>
           </a:p>
         </p:txBody>
       </p:sp>
@@ -8174,11 +8103,7 @@
           <a:p>
             <a:r>
               <a:rPr lang="pt-BR" dirty="0" smtClean="0"/>
-              <a:t>3</a:t>
-            </a:r>
-            <a:r>
-              <a:rPr lang="pt-BR" dirty="0" smtClean="0"/>
-              <a:t>.5 </a:t>
+              <a:t>3.5 </a:t>
             </a:r>
             <a:r>
               <a:rPr lang="pt-BR" dirty="0" err="1" smtClean="0"/>
@@ -8204,7 +8129,6 @@
               <a:rPr lang="pt-BR" dirty="0" smtClean="0"/>
               <a:t> 27)</a:t>
             </a:r>
-            <a:endParaRPr lang="pt-BR" dirty="0" smtClean="0"/>
           </a:p>
         </p:txBody>
       </p:sp>
